--- a/10_QueryApp01.pptx
+++ b/10_QueryApp01.pptx
@@ -3470,7 +3470,7 @@
                   <a:srgbClr val="FFFF00"/>
                 </a:solidFill>
               </a:rPr>
-              <a:t>10 Query</a:t>
+              <a:t>10 Query: Part 1</a:t>
             </a:r>
             <a:endParaRPr lang="zh-TW" altLang="en-US" sz="4800" b="1" dirty="0">
               <a:solidFill>
@@ -6055,12 +6055,12 @@
           <a:p>
             <a:pPr algn="l"/>
             <a:r>
-              <a:rPr lang="en-US" altLang="zh-TW" b="1" dirty="0">
+              <a:rPr lang="en-US" altLang="zh-TW" sz="4400" b="1" dirty="0">
                 <a:solidFill>
                   <a:srgbClr val="FFFF00"/>
                 </a:solidFill>
               </a:rPr>
-              <a:t>10 Query</a:t>
+              <a:t>10 Query: Part 1</a:t>
             </a:r>
             <a:endParaRPr lang="zh-TW" altLang="en-US" b="1" dirty="0">
               <a:solidFill>
@@ -6420,12 +6420,12 @@
           <a:p>
             <a:pPr algn="l"/>
             <a:r>
-              <a:rPr lang="en-US" altLang="zh-TW" b="1" dirty="0">
+              <a:rPr lang="en-US" altLang="zh-TW" sz="4400" b="1">
                 <a:solidFill>
                   <a:srgbClr val="FFFF00"/>
                 </a:solidFill>
               </a:rPr>
-              <a:t>10 Query</a:t>
+              <a:t>10 Query: Part 1</a:t>
             </a:r>
             <a:endParaRPr lang="zh-TW" altLang="en-US" b="1" dirty="0">
               <a:solidFill>

--- a/10_QueryApp01.pptx
+++ b/10_QueryApp01.pptx
@@ -226,7 +226,7 @@
             <a:fld id="{6837EDA8-41C8-4B24-A206-13C08A65A6D7}" type="datetimeFigureOut">
               <a:rPr lang="zh-TW" altLang="en-US" smtClean="0"/>
               <a:pPr/>
-              <a:t>2020/10/7</a:t>
+              <a:t>2020/10/8</a:t>
             </a:fld>
             <a:endParaRPr lang="zh-TW" altLang="en-US"/>
           </a:p>
@@ -679,7 +679,7 @@
             <a:fld id="{8B85509C-BD4F-47BF-9B1E-FC2E949B3621}" type="datetime1">
               <a:rPr lang="zh-TW" altLang="en-US" smtClean="0"/>
               <a:pPr/>
-              <a:t>2020/10/7</a:t>
+              <a:t>2020/10/8</a:t>
             </a:fld>
             <a:endParaRPr lang="zh-TW" altLang="en-US"/>
           </a:p>
@@ -852,7 +852,7 @@
             <a:fld id="{42251B24-F787-4C15-8A0F-7AEC20C70069}" type="datetime1">
               <a:rPr lang="zh-TW" altLang="en-US" smtClean="0"/>
               <a:pPr/>
-              <a:t>2020/10/7</a:t>
+              <a:t>2020/10/8</a:t>
             </a:fld>
             <a:endParaRPr lang="zh-TW" altLang="en-US"/>
           </a:p>
@@ -1027,7 +1027,7 @@
             <a:fld id="{9CA0D33C-CE2B-45F1-B8D4-FFD1F131F331}" type="datetime1">
               <a:rPr lang="zh-TW" altLang="en-US" smtClean="0"/>
               <a:pPr/>
-              <a:t>2020/10/7</a:t>
+              <a:t>2020/10/8</a:t>
             </a:fld>
             <a:endParaRPr lang="zh-TW" altLang="en-US"/>
           </a:p>
@@ -1192,7 +1192,7 @@
             <a:fld id="{50B99440-D9EF-40CC-9B52-F6428D9B2C76}" type="datetime1">
               <a:rPr lang="zh-TW" altLang="en-US" smtClean="0"/>
               <a:pPr/>
-              <a:t>2020/10/7</a:t>
+              <a:t>2020/10/8</a:t>
             </a:fld>
             <a:endParaRPr lang="zh-TW" altLang="en-US"/>
           </a:p>
@@ -1434,7 +1434,7 @@
             <a:fld id="{0871BF52-5C6C-4959-8E27-CECB68D39FE4}" type="datetime1">
               <a:rPr lang="zh-TW" altLang="en-US" smtClean="0"/>
               <a:pPr/>
-              <a:t>2020/10/7</a:t>
+              <a:t>2020/10/8</a:t>
             </a:fld>
             <a:endParaRPr lang="zh-TW" altLang="en-US"/>
           </a:p>
@@ -1716,7 +1716,7 @@
             <a:fld id="{DF863F05-2DD9-4EB1-A827-12FD992DE9DC}" type="datetime1">
               <a:rPr lang="zh-TW" altLang="en-US" smtClean="0"/>
               <a:pPr/>
-              <a:t>2020/10/7</a:t>
+              <a:t>2020/10/8</a:t>
             </a:fld>
             <a:endParaRPr lang="zh-TW" altLang="en-US"/>
           </a:p>
@@ -2132,7 +2132,7 @@
             <a:fld id="{6339AF51-4491-4873-A096-75DB6CE47516}" type="datetime1">
               <a:rPr lang="zh-TW" altLang="en-US" smtClean="0"/>
               <a:pPr/>
-              <a:t>2020/10/7</a:t>
+              <a:t>2020/10/8</a:t>
             </a:fld>
             <a:endParaRPr lang="zh-TW" altLang="en-US"/>
           </a:p>
@@ -2246,7 +2246,7 @@
             <a:fld id="{EE4AD9C8-8B9E-40FF-ABE2-858AC2057BBB}" type="datetime1">
               <a:rPr lang="zh-TW" altLang="en-US" smtClean="0"/>
               <a:pPr/>
-              <a:t>2020/10/7</a:t>
+              <a:t>2020/10/8</a:t>
             </a:fld>
             <a:endParaRPr lang="zh-TW" altLang="en-US"/>
           </a:p>
@@ -2338,7 +2338,7 @@
             <a:fld id="{B4784999-BBBE-4BE4-A8D0-877E7D1D66CC}" type="datetime1">
               <a:rPr lang="zh-TW" altLang="en-US" smtClean="0"/>
               <a:pPr/>
-              <a:t>2020/10/7</a:t>
+              <a:t>2020/10/8</a:t>
             </a:fld>
             <a:endParaRPr lang="zh-TW" altLang="en-US"/>
           </a:p>
@@ -2610,7 +2610,7 @@
             <a:fld id="{E88D17E6-02BD-4944-B9FE-7BFCCBF83D48}" type="datetime1">
               <a:rPr lang="zh-TW" altLang="en-US" smtClean="0"/>
               <a:pPr/>
-              <a:t>2020/10/7</a:t>
+              <a:t>2020/10/8</a:t>
             </a:fld>
             <a:endParaRPr lang="zh-TW" altLang="en-US"/>
           </a:p>
@@ -2859,7 +2859,7 @@
             <a:fld id="{3C13E23D-1FEF-4D78-A3A3-3D6F2BB31954}" type="datetime1">
               <a:rPr lang="zh-TW" altLang="en-US" smtClean="0"/>
               <a:pPr/>
-              <a:t>2020/10/7</a:t>
+              <a:t>2020/10/8</a:t>
             </a:fld>
             <a:endParaRPr lang="zh-TW" altLang="en-US"/>
           </a:p>
@@ -3067,7 +3067,7 @@
             <a:fld id="{06197F35-AD6F-4594-8B50-334492D2E7E8}" type="datetime1">
               <a:rPr lang="zh-TW" altLang="en-US" smtClean="0"/>
               <a:pPr/>
-              <a:t>2020/10/7</a:t>
+              <a:t>2020/10/8</a:t>
             </a:fld>
             <a:endParaRPr lang="zh-TW" altLang="en-US"/>
           </a:p>
@@ -3470,7 +3470,7 @@
                   <a:srgbClr val="FFFF00"/>
                 </a:solidFill>
               </a:rPr>
-              <a:t>10 Query: Part 1</a:t>
+              <a:t>10 Query Custom Field: Part 1</a:t>
             </a:r>
             <a:endParaRPr lang="zh-TW" altLang="en-US" sz="4800" b="1" dirty="0">
               <a:solidFill>
@@ -3528,7 +3528,7 @@
             <a:fld id="{C389EDC9-19E3-47AC-9C57-C6A24DEA81AD}" type="datetime1">
               <a:rPr lang="zh-TW" altLang="en-US" smtClean="0"/>
               <a:pPr/>
-              <a:t>2020/10/7</a:t>
+              <a:t>2020/10/8</a:t>
             </a:fld>
             <a:endParaRPr lang="zh-TW" altLang="en-US"/>
           </a:p>
@@ -3672,7 +3672,7 @@
             <a:fld id="{C389EDC9-19E3-47AC-9C57-C6A24DEA81AD}" type="datetime1">
               <a:rPr lang="zh-TW" altLang="en-US" smtClean="0"/>
               <a:pPr/>
-              <a:t>2020/10/7</a:t>
+              <a:t>2020/10/8</a:t>
             </a:fld>
             <a:endParaRPr lang="zh-TW" altLang="en-US"/>
           </a:p>
@@ -3992,7 +3992,7 @@
             <a:fld id="{A4F910E6-8D00-4BAF-8C48-9688E0B449D3}" type="datetime1">
               <a:rPr lang="zh-TW" altLang="en-US" smtClean="0"/>
               <a:pPr/>
-              <a:t>2020/10/7</a:t>
+              <a:t>2020/10/8</a:t>
             </a:fld>
             <a:endParaRPr lang="zh-TW" altLang="en-US"/>
           </a:p>
@@ -4151,7 +4151,7 @@
             <a:fld id="{C389EDC9-19E3-47AC-9C57-C6A24DEA81AD}" type="datetime1">
               <a:rPr lang="zh-TW" altLang="en-US" smtClean="0"/>
               <a:pPr/>
-              <a:t>2020/10/7</a:t>
+              <a:t>2020/10/8</a:t>
             </a:fld>
             <a:endParaRPr lang="zh-TW" altLang="en-US"/>
           </a:p>
@@ -4541,7 +4541,7 @@
             <a:fld id="{A4F910E6-8D00-4BAF-8C48-9688E0B449D3}" type="datetime1">
               <a:rPr lang="zh-TW" altLang="en-US" smtClean="0"/>
               <a:pPr/>
-              <a:t>2020/10/7</a:t>
+              <a:t>2020/10/8</a:t>
             </a:fld>
             <a:endParaRPr lang="zh-TW" altLang="en-US"/>
           </a:p>
@@ -4700,7 +4700,7 @@
             <a:fld id="{C389EDC9-19E3-47AC-9C57-C6A24DEA81AD}" type="datetime1">
               <a:rPr lang="zh-TW" altLang="en-US" smtClean="0"/>
               <a:pPr/>
-              <a:t>2020/10/7</a:t>
+              <a:t>2020/10/8</a:t>
             </a:fld>
             <a:endParaRPr lang="zh-TW" altLang="en-US"/>
           </a:p>
@@ -5022,7 +5022,7 @@
             <a:fld id="{A4F910E6-8D00-4BAF-8C48-9688E0B449D3}" type="datetime1">
               <a:rPr lang="zh-TW" altLang="en-US" smtClean="0"/>
               <a:pPr/>
-              <a:t>2020/10/7</a:t>
+              <a:t>2020/10/8</a:t>
             </a:fld>
             <a:endParaRPr lang="zh-TW" altLang="en-US"/>
           </a:p>
@@ -5360,7 +5360,7 @@
             <a:fld id="{A4F910E6-8D00-4BAF-8C48-9688E0B449D3}" type="datetime1">
               <a:rPr lang="zh-TW" altLang="en-US" smtClean="0"/>
               <a:pPr/>
-              <a:t>2020/10/7</a:t>
+              <a:t>2020/10/8</a:t>
             </a:fld>
             <a:endParaRPr lang="zh-TW" altLang="en-US"/>
           </a:p>
@@ -5733,7 +5733,7 @@
             <a:fld id="{A4F910E6-8D00-4BAF-8C48-9688E0B449D3}" type="datetime1">
               <a:rPr lang="zh-TW" altLang="en-US" smtClean="0"/>
               <a:pPr/>
-              <a:t>2020/10/7</a:t>
+              <a:t>2020/10/8</a:t>
             </a:fld>
             <a:endParaRPr lang="zh-TW" altLang="en-US"/>
           </a:p>
@@ -5950,7 +5950,7 @@
             <a:fld id="{4E46BE27-E923-4EC2-B046-3272AE2A3E5C}" type="datetime1">
               <a:rPr lang="zh-TW" altLang="en-US" smtClean="0"/>
               <a:pPr/>
-              <a:t>2020/10/7</a:t>
+              <a:t>2020/10/8</a:t>
             </a:fld>
             <a:endParaRPr lang="zh-TW" altLang="en-US"/>
           </a:p>
@@ -6060,7 +6060,7 @@
                   <a:srgbClr val="FFFF00"/>
                 </a:solidFill>
               </a:rPr>
-              <a:t>10 Query: Part 1</a:t>
+              <a:t>10 Query Custom Field: Part 1</a:t>
             </a:r>
             <a:endParaRPr lang="zh-TW" altLang="en-US" b="1" dirty="0">
               <a:solidFill>
@@ -6275,7 +6275,7 @@
             <a:fld id="{A4F910E6-8D00-4BAF-8C48-9688E0B449D3}" type="datetime1">
               <a:rPr lang="zh-TW" altLang="en-US" smtClean="0"/>
               <a:pPr/>
-              <a:t>2020/10/7</a:t>
+              <a:t>2020/10/8</a:t>
             </a:fld>
             <a:endParaRPr lang="zh-TW" altLang="en-US"/>
           </a:p>
@@ -6425,7 +6425,7 @@
                   <a:srgbClr val="FFFF00"/>
                 </a:solidFill>
               </a:rPr>
-              <a:t>10 Query: Part 1</a:t>
+              <a:t>10 Query Custom Field: Part 1</a:t>
             </a:r>
             <a:endParaRPr lang="zh-TW" altLang="en-US" b="1" dirty="0">
               <a:solidFill>
@@ -6697,7 +6697,7 @@
             <a:fld id="{A4F910E6-8D00-4BAF-8C48-9688E0B449D3}" type="datetime1">
               <a:rPr lang="zh-TW" altLang="en-US" smtClean="0"/>
               <a:pPr/>
-              <a:t>2020/10/7</a:t>
+              <a:t>2020/10/8</a:t>
             </a:fld>
             <a:endParaRPr lang="zh-TW" altLang="en-US"/>
           </a:p>
@@ -7154,7 +7154,7 @@
             <a:fld id="{C389EDC9-19E3-47AC-9C57-C6A24DEA81AD}" type="datetime1">
               <a:rPr lang="zh-TW" altLang="en-US" smtClean="0"/>
               <a:pPr/>
-              <a:t>2020/10/7</a:t>
+              <a:t>2020/10/8</a:t>
             </a:fld>
             <a:endParaRPr lang="zh-TW" altLang="en-US"/>
           </a:p>
@@ -7583,7 +7583,7 @@
             <a:fld id="{A4F910E6-8D00-4BAF-8C48-9688E0B449D3}" type="datetime1">
               <a:rPr lang="zh-TW" altLang="en-US" smtClean="0"/>
               <a:pPr/>
-              <a:t>2020/10/7</a:t>
+              <a:t>2020/10/8</a:t>
             </a:fld>
             <a:endParaRPr lang="zh-TW" altLang="en-US"/>
           </a:p>
@@ -7707,7 +7707,7 @@
             <a:fld id="{C389EDC9-19E3-47AC-9C57-C6A24DEA81AD}" type="datetime1">
               <a:rPr lang="zh-TW" altLang="en-US" smtClean="0"/>
               <a:pPr/>
-              <a:t>2020/10/7</a:t>
+              <a:t>2020/10/8</a:t>
             </a:fld>
             <a:endParaRPr lang="zh-TW" altLang="en-US"/>
           </a:p>
@@ -8163,7 +8163,7 @@
             <a:fld id="{A4F910E6-8D00-4BAF-8C48-9688E0B449D3}" type="datetime1">
               <a:rPr lang="zh-TW" altLang="en-US" smtClean="0"/>
               <a:pPr/>
-              <a:t>2020/10/7</a:t>
+              <a:t>2020/10/8</a:t>
             </a:fld>
             <a:endParaRPr lang="zh-TW" altLang="en-US"/>
           </a:p>
@@ -8322,7 +8322,7 @@
             <a:fld id="{C389EDC9-19E3-47AC-9C57-C6A24DEA81AD}" type="datetime1">
               <a:rPr lang="zh-TW" altLang="en-US" smtClean="0"/>
               <a:pPr/>
-              <a:t>2020/10/7</a:t>
+              <a:t>2020/10/8</a:t>
             </a:fld>
             <a:endParaRPr lang="zh-TW" altLang="en-US"/>
           </a:p>
@@ -8625,7 +8625,7 @@
             <a:fld id="{A4F910E6-8D00-4BAF-8C48-9688E0B449D3}" type="datetime1">
               <a:rPr lang="zh-TW" altLang="en-US" smtClean="0"/>
               <a:pPr/>
-              <a:t>2020/10/7</a:t>
+              <a:t>2020/10/8</a:t>
             </a:fld>
             <a:endParaRPr lang="zh-TW" altLang="en-US"/>
           </a:p>
